--- a/RADIANTE_Structure.pptx
+++ b/RADIANTE_Structure.pptx
@@ -104,6 +104,11 @@
       </a:defRPr>
     </a:lvl9pPr>
   </p:defaultTextStyle>
+  <p:extLst>
+    <p:ext uri="{EFAFB233-063F-42B5-8137-9DF3F51BA10A}">
+      <p15:sldGuideLst xmlns:p15="http://schemas.microsoft.com/office/powerpoint/2012/main"/>
+    </p:ext>
+  </p:extLst>
 </p:presentation>
 </file>
 
@@ -238,7 +243,7 @@
           <a:p>
             <a:fld id="{90DD09BA-6BFA-45C5-8CCD-FFB17D15C1BB}" type="datetimeFigureOut">
               <a:rPr lang="pt-PT" smtClean="0"/>
-              <a:t>28/06/2023</a:t>
+              <a:t>03/07/2023</a:t>
             </a:fld>
             <a:endParaRPr lang="pt-PT"/>
           </a:p>
@@ -408,7 +413,7 @@
           <a:p>
             <a:fld id="{90DD09BA-6BFA-45C5-8CCD-FFB17D15C1BB}" type="datetimeFigureOut">
               <a:rPr lang="pt-PT" smtClean="0"/>
-              <a:t>28/06/2023</a:t>
+              <a:t>03/07/2023</a:t>
             </a:fld>
             <a:endParaRPr lang="pt-PT"/>
           </a:p>
@@ -588,7 +593,7 @@
           <a:p>
             <a:fld id="{90DD09BA-6BFA-45C5-8CCD-FFB17D15C1BB}" type="datetimeFigureOut">
               <a:rPr lang="pt-PT" smtClean="0"/>
-              <a:t>28/06/2023</a:t>
+              <a:t>03/07/2023</a:t>
             </a:fld>
             <a:endParaRPr lang="pt-PT"/>
           </a:p>
@@ -758,7 +763,7 @@
           <a:p>
             <a:fld id="{90DD09BA-6BFA-45C5-8CCD-FFB17D15C1BB}" type="datetimeFigureOut">
               <a:rPr lang="pt-PT" smtClean="0"/>
-              <a:t>28/06/2023</a:t>
+              <a:t>03/07/2023</a:t>
             </a:fld>
             <a:endParaRPr lang="pt-PT"/>
           </a:p>
@@ -1004,7 +1009,7 @@
           <a:p>
             <a:fld id="{90DD09BA-6BFA-45C5-8CCD-FFB17D15C1BB}" type="datetimeFigureOut">
               <a:rPr lang="pt-PT" smtClean="0"/>
-              <a:t>28/06/2023</a:t>
+              <a:t>03/07/2023</a:t>
             </a:fld>
             <a:endParaRPr lang="pt-PT"/>
           </a:p>
@@ -1236,7 +1241,7 @@
           <a:p>
             <a:fld id="{90DD09BA-6BFA-45C5-8CCD-FFB17D15C1BB}" type="datetimeFigureOut">
               <a:rPr lang="pt-PT" smtClean="0"/>
-              <a:t>28/06/2023</a:t>
+              <a:t>03/07/2023</a:t>
             </a:fld>
             <a:endParaRPr lang="pt-PT"/>
           </a:p>
@@ -1603,7 +1608,7 @@
           <a:p>
             <a:fld id="{90DD09BA-6BFA-45C5-8CCD-FFB17D15C1BB}" type="datetimeFigureOut">
               <a:rPr lang="pt-PT" smtClean="0"/>
-              <a:t>28/06/2023</a:t>
+              <a:t>03/07/2023</a:t>
             </a:fld>
             <a:endParaRPr lang="pt-PT"/>
           </a:p>
@@ -1721,7 +1726,7 @@
           <a:p>
             <a:fld id="{90DD09BA-6BFA-45C5-8CCD-FFB17D15C1BB}" type="datetimeFigureOut">
               <a:rPr lang="pt-PT" smtClean="0"/>
-              <a:t>28/06/2023</a:t>
+              <a:t>03/07/2023</a:t>
             </a:fld>
             <a:endParaRPr lang="pt-PT"/>
           </a:p>
@@ -1816,7 +1821,7 @@
           <a:p>
             <a:fld id="{90DD09BA-6BFA-45C5-8CCD-FFB17D15C1BB}" type="datetimeFigureOut">
               <a:rPr lang="pt-PT" smtClean="0"/>
-              <a:t>28/06/2023</a:t>
+              <a:t>03/07/2023</a:t>
             </a:fld>
             <a:endParaRPr lang="pt-PT"/>
           </a:p>
@@ -2093,7 +2098,7 @@
           <a:p>
             <a:fld id="{90DD09BA-6BFA-45C5-8CCD-FFB17D15C1BB}" type="datetimeFigureOut">
               <a:rPr lang="pt-PT" smtClean="0"/>
-              <a:t>28/06/2023</a:t>
+              <a:t>03/07/2023</a:t>
             </a:fld>
             <a:endParaRPr lang="pt-PT"/>
           </a:p>
@@ -2346,7 +2351,7 @@
           <a:p>
             <a:fld id="{90DD09BA-6BFA-45C5-8CCD-FFB17D15C1BB}" type="datetimeFigureOut">
               <a:rPr lang="pt-PT" smtClean="0"/>
-              <a:t>28/06/2023</a:t>
+              <a:t>03/07/2023</a:t>
             </a:fld>
             <a:endParaRPr lang="pt-PT"/>
           </a:p>
@@ -2559,7 +2564,7 @@
           <a:p>
             <a:fld id="{90DD09BA-6BFA-45C5-8CCD-FFB17D15C1BB}" type="datetimeFigureOut">
               <a:rPr lang="pt-PT" smtClean="0"/>
-              <a:t>28/06/2023</a:t>
+              <a:t>03/07/2023</a:t>
             </a:fld>
             <a:endParaRPr lang="pt-PT"/>
           </a:p>
@@ -2964,6 +2969,46 @@
           <a:chExt cx="0" cy="0"/>
         </a:xfrm>
       </p:grpSpPr>
+      <p:cxnSp>
+        <p:nvCxnSpPr>
+          <p:cNvPr id="138" name="Conexão em ângulos retos 137"/>
+          <p:cNvCxnSpPr>
+            <a:stCxn id="136" idx="0"/>
+            <a:endCxn id="132" idx="5"/>
+          </p:cNvCxnSpPr>
+          <p:nvPr/>
+        </p:nvCxnSpPr>
+        <p:spPr>
+          <a:xfrm rot="5400000" flipH="1" flipV="1">
+            <a:off x="5186158" y="5123076"/>
+            <a:ext cx="643232" cy="101884"/>
+          </a:xfrm>
+          <a:prstGeom prst="bentConnector3">
+            <a:avLst>
+              <a:gd name="adj1" fmla="val 112549"/>
+            </a:avLst>
+          </a:prstGeom>
+          <a:ln w="28575">
+            <a:solidFill>
+              <a:schemeClr val="tx1"/>
+            </a:solidFill>
+          </a:ln>
+        </p:spPr>
+        <p:style>
+          <a:lnRef idx="1">
+            <a:schemeClr val="accent1"/>
+          </a:lnRef>
+          <a:fillRef idx="0">
+            <a:schemeClr val="accent1"/>
+          </a:fillRef>
+          <a:effectRef idx="0">
+            <a:schemeClr val="accent1"/>
+          </a:effectRef>
+          <a:fontRef idx="minor">
+            <a:schemeClr val="tx1"/>
+          </a:fontRef>
+        </p:style>
+      </p:cxnSp>
       <p:sp>
         <p:nvSpPr>
           <p:cNvPr id="4" name="Oval 3"/>
@@ -3437,69 +3482,6 @@
                 </a:solidFill>
               </a:rPr>
               <a:t>Help</a:t>
-            </a:r>
-            <a:endParaRPr lang="pt-PT" dirty="0" smtClean="0">
-              <a:solidFill>
-                <a:schemeClr val="tx1"/>
-              </a:solidFill>
-            </a:endParaRPr>
-          </a:p>
-        </p:txBody>
-      </p:sp>
-      <p:sp>
-        <p:nvSpPr>
-          <p:cNvPr id="15" name="Retângulo 14"/>
-          <p:cNvSpPr/>
-          <p:nvPr/>
-        </p:nvSpPr>
-        <p:spPr>
-          <a:xfrm>
-            <a:off x="8037166" y="2380167"/>
-            <a:ext cx="752856" cy="320040"/>
-          </a:xfrm>
-          <a:prstGeom prst="rect">
-            <a:avLst/>
-          </a:prstGeom>
-          <a:solidFill>
-            <a:schemeClr val="accent4">
-              <a:lumMod val="20000"/>
-              <a:lumOff val="80000"/>
-            </a:schemeClr>
-          </a:solidFill>
-          <a:ln w="28575">
-            <a:solidFill>
-              <a:schemeClr val="tx1"/>
-            </a:solidFill>
-          </a:ln>
-        </p:spPr>
-        <p:style>
-          <a:lnRef idx="2">
-            <a:schemeClr val="accent1">
-              <a:shade val="50000"/>
-            </a:schemeClr>
-          </a:lnRef>
-          <a:fillRef idx="1">
-            <a:schemeClr val="accent1"/>
-          </a:fillRef>
-          <a:effectRef idx="0">
-            <a:schemeClr val="accent1"/>
-          </a:effectRef>
-          <a:fontRef idx="minor">
-            <a:schemeClr val="lt1"/>
-          </a:fontRef>
-        </p:style>
-        <p:txBody>
-          <a:bodyPr rtlCol="0" anchor="ctr"/>
-          <a:lstStyle/>
-          <a:p>
-            <a:pPr algn="ctr"/>
-            <a:r>
-              <a:rPr lang="pt-PT" dirty="0" err="1" smtClean="0">
-                <a:solidFill>
-                  <a:schemeClr val="tx1"/>
-                </a:solidFill>
-              </a:rPr>
-              <a:t>About</a:t>
             </a:r>
             <a:endParaRPr lang="pt-PT" dirty="0" smtClean="0">
               <a:solidFill>
@@ -3663,44 +3645,6 @@
       </p:cxnSp>
       <p:cxnSp>
         <p:nvCxnSpPr>
-          <p:cNvPr id="31" name="Conexão em ângulos retos 30"/>
-          <p:cNvCxnSpPr>
-            <a:stCxn id="10" idx="3"/>
-            <a:endCxn id="15" idx="1"/>
-          </p:cNvCxnSpPr>
-          <p:nvPr/>
-        </p:nvCxnSpPr>
-        <p:spPr>
-          <a:xfrm>
-            <a:off x="7598503" y="1068003"/>
-            <a:ext cx="438663" cy="1472184"/>
-          </a:xfrm>
-          <a:prstGeom prst="bentConnector3">
-            <a:avLst/>
-          </a:prstGeom>
-          <a:ln w="28575">
-            <a:solidFill>
-              <a:schemeClr val="tx1"/>
-            </a:solidFill>
-          </a:ln>
-        </p:spPr>
-        <p:style>
-          <a:lnRef idx="1">
-            <a:schemeClr val="accent1"/>
-          </a:lnRef>
-          <a:fillRef idx="0">
-            <a:schemeClr val="accent1"/>
-          </a:fillRef>
-          <a:effectRef idx="0">
-            <a:schemeClr val="accent1"/>
-          </a:effectRef>
-          <a:fontRef idx="minor">
-            <a:schemeClr val="tx1"/>
-          </a:fontRef>
-        </p:style>
-      </p:cxnSp>
-      <p:cxnSp>
-        <p:nvCxnSpPr>
           <p:cNvPr id="34" name="Conexão em ângulos retos 33"/>
           <p:cNvCxnSpPr>
             <a:stCxn id="5" idx="3"/>
@@ -4167,81 +4111,13 @@
       </p:cxnSp>
       <p:sp>
         <p:nvSpPr>
-          <p:cNvPr id="52" name="Retângulo 51"/>
-          <p:cNvSpPr/>
-          <p:nvPr/>
-        </p:nvSpPr>
-        <p:spPr>
-          <a:xfrm>
-            <a:off x="5129623" y="2275011"/>
-            <a:ext cx="1335024" cy="324612"/>
-          </a:xfrm>
-          <a:prstGeom prst="rect">
-            <a:avLst/>
-          </a:prstGeom>
-          <a:solidFill>
-            <a:srgbClr val="E5E1FB"/>
-          </a:solidFill>
-          <a:ln w="28575">
-            <a:solidFill>
-              <a:schemeClr val="tx1"/>
-            </a:solidFill>
-          </a:ln>
-        </p:spPr>
-        <p:style>
-          <a:lnRef idx="2">
-            <a:schemeClr val="accent1">
-              <a:shade val="50000"/>
-            </a:schemeClr>
-          </a:lnRef>
-          <a:fillRef idx="1">
-            <a:schemeClr val="accent1"/>
-          </a:fillRef>
-          <a:effectRef idx="0">
-            <a:schemeClr val="accent1"/>
-          </a:effectRef>
-          <a:fontRef idx="minor">
-            <a:schemeClr val="lt1"/>
-          </a:fontRef>
-        </p:style>
-        <p:txBody>
-          <a:bodyPr rtlCol="0" anchor="ctr"/>
-          <a:lstStyle/>
-          <a:p>
-            <a:pPr algn="ctr"/>
-            <a:r>
-              <a:rPr lang="pt-PT" dirty="0" err="1">
-                <a:solidFill>
-                  <a:schemeClr val="tx1"/>
-                </a:solidFill>
-              </a:rPr>
-              <a:t>h</a:t>
-            </a:r>
-            <a:r>
-              <a:rPr lang="pt-PT" dirty="0" err="1" smtClean="0">
-                <a:solidFill>
-                  <a:schemeClr val="tx1"/>
-                </a:solidFill>
-              </a:rPr>
-              <a:t>andles</a:t>
-            </a:r>
-            <a:endParaRPr lang="pt-PT" dirty="0">
-              <a:solidFill>
-                <a:schemeClr val="tx1"/>
-              </a:solidFill>
-            </a:endParaRPr>
-          </a:p>
-        </p:txBody>
-      </p:sp>
-      <p:sp>
-        <p:nvSpPr>
           <p:cNvPr id="53" name="Retângulo 52"/>
           <p:cNvSpPr/>
           <p:nvPr/>
         </p:nvSpPr>
         <p:spPr>
           <a:xfrm>
-            <a:off x="1126064" y="2513041"/>
+            <a:off x="1936432" y="1962297"/>
             <a:ext cx="1332000" cy="649224"/>
           </a:xfrm>
           <a:prstGeom prst="rect">
@@ -4328,7 +4204,7 @@
         </p:nvSpPr>
         <p:spPr>
           <a:xfrm>
-            <a:off x="1126064" y="3335433"/>
+            <a:off x="1936432" y="2784689"/>
             <a:ext cx="1335024" cy="649224"/>
           </a:xfrm>
           <a:prstGeom prst="rect">
@@ -4415,7 +4291,7 @@
         </p:nvSpPr>
         <p:spPr>
           <a:xfrm>
-            <a:off x="2681714" y="3101484"/>
+            <a:off x="1400095" y="4756497"/>
             <a:ext cx="1335024" cy="649224"/>
           </a:xfrm>
           <a:prstGeom prst="rect">
@@ -4518,7 +4394,7 @@
         </p:nvSpPr>
         <p:spPr>
           <a:xfrm>
-            <a:off x="2681714" y="3921582"/>
+            <a:off x="1400096" y="5575760"/>
             <a:ext cx="1335024" cy="649224"/>
           </a:xfrm>
           <a:prstGeom prst="rect">
@@ -4621,7 +4497,7 @@
         </p:nvSpPr>
         <p:spPr>
           <a:xfrm>
-            <a:off x="3102715" y="4907987"/>
+            <a:off x="8615880" y="3314321"/>
             <a:ext cx="1335024" cy="649224"/>
           </a:xfrm>
           <a:prstGeom prst="rect">
@@ -4701,16 +4577,17 @@
         <p:nvCxnSpPr>
           <p:cNvPr id="60" name="Conexão em ângulos retos 59"/>
           <p:cNvCxnSpPr>
-            <a:stCxn id="52" idx="1"/>
+            <a:stCxn id="5" idx="2"/>
+            <a:endCxn id="53" idx="3"/>
           </p:cNvCxnSpPr>
           <p:nvPr/>
         </p:nvCxnSpPr>
         <p:spPr>
-          <a:xfrm rot="10800000" flipV="1">
-            <a:off x="2461089" y="2437317"/>
-            <a:ext cx="2668535" cy="405630"/>
-          </a:xfrm>
-          <a:prstGeom prst="bentConnector3">
+          <a:xfrm rot="5400000">
+            <a:off x="4295193" y="786479"/>
+            <a:ext cx="473670" cy="2527191"/>
+          </a:xfrm>
+          <a:prstGeom prst="bentConnector2">
             <a:avLst/>
           </a:prstGeom>
           <a:ln w="28575">
@@ -4738,14 +4615,15 @@
         <p:nvCxnSpPr>
           <p:cNvPr id="66" name="Conexão em ângulos retos 65"/>
           <p:cNvCxnSpPr>
-            <a:endCxn id="57" idx="3"/>
+            <a:stCxn id="5" idx="2"/>
+            <a:endCxn id="57" idx="1"/>
           </p:cNvCxnSpPr>
           <p:nvPr/>
         </p:nvCxnSpPr>
         <p:spPr>
-          <a:xfrm rot="5400000">
-            <a:off x="3388686" y="3491661"/>
-            <a:ext cx="2789991" cy="691884"/>
+          <a:xfrm rot="16200000" flipH="1">
+            <a:off x="6292904" y="1315957"/>
+            <a:ext cx="1825694" cy="2820257"/>
           </a:xfrm>
           <a:prstGeom prst="bentConnector2">
             <a:avLst/>
@@ -4779,7 +4657,7 @@
         </p:nvCxnSpPr>
         <p:spPr>
           <a:xfrm>
-            <a:off x="1793575" y="3167557"/>
+            <a:off x="2603943" y="2616813"/>
             <a:ext cx="0" cy="173168"/>
           </a:xfrm>
           <a:prstGeom prst="line">
@@ -4814,7 +4692,7 @@
         </p:nvCxnSpPr>
         <p:spPr>
           <a:xfrm rot="5400000">
-            <a:off x="3683643" y="5649087"/>
+            <a:off x="9196808" y="4055421"/>
             <a:ext cx="173168" cy="1"/>
           </a:xfrm>
           <a:prstGeom prst="bentConnector3">
@@ -5056,7 +4934,7 @@
         </p:nvSpPr>
         <p:spPr>
           <a:xfrm>
-            <a:off x="186186" y="4241385"/>
+            <a:off x="601408" y="3034025"/>
             <a:ext cx="864000" cy="396000"/>
           </a:xfrm>
           <a:prstGeom prst="ellipse">
@@ -5139,7 +5017,7 @@
         </p:nvSpPr>
         <p:spPr>
           <a:xfrm>
-            <a:off x="1506324" y="4477142"/>
+            <a:off x="224706" y="6131320"/>
             <a:ext cx="864000" cy="396000"/>
           </a:xfrm>
           <a:prstGeom prst="ellipse">
@@ -5214,44 +5092,6 @@
           </a:p>
         </p:txBody>
       </p:sp>
-      <p:cxnSp>
-        <p:nvCxnSpPr>
-          <p:cNvPr id="104" name="Conexão reta 103"/>
-          <p:cNvCxnSpPr>
-            <a:stCxn id="5" idx="2"/>
-            <a:endCxn id="52" idx="0"/>
-          </p:cNvCxnSpPr>
-          <p:nvPr/>
-        </p:nvCxnSpPr>
-        <p:spPr>
-          <a:xfrm>
-            <a:off x="5795623" y="1813239"/>
-            <a:ext cx="1512" cy="461772"/>
-          </a:xfrm>
-          <a:prstGeom prst="line">
-            <a:avLst/>
-          </a:prstGeom>
-          <a:ln w="38100">
-            <a:solidFill>
-              <a:schemeClr val="tx1"/>
-            </a:solidFill>
-          </a:ln>
-        </p:spPr>
-        <p:style>
-          <a:lnRef idx="1">
-            <a:schemeClr val="accent1"/>
-          </a:lnRef>
-          <a:fillRef idx="0">
-            <a:schemeClr val="accent1"/>
-          </a:fillRef>
-          <a:effectRef idx="0">
-            <a:schemeClr val="accent1"/>
-          </a:effectRef>
-          <a:fontRef idx="minor">
-            <a:schemeClr val="tx1"/>
-          </a:fontRef>
-        </p:style>
-      </p:cxnSp>
       <p:sp>
         <p:nvSpPr>
           <p:cNvPr id="110" name="Retângulo 109"/>
@@ -5260,7 +5100,7 @@
         </p:nvSpPr>
         <p:spPr>
           <a:xfrm>
-            <a:off x="7040318" y="2804793"/>
+            <a:off x="6702398" y="2109987"/>
             <a:ext cx="895176" cy="649224"/>
           </a:xfrm>
           <a:prstGeom prst="rect">
@@ -5341,16 +5181,21 @@
       <p:cxnSp>
         <p:nvCxnSpPr>
           <p:cNvPr id="112" name="Conexão em ângulos retos 111"/>
-          <p:cNvCxnSpPr/>
+          <p:cNvCxnSpPr>
+            <a:stCxn id="5" idx="2"/>
+            <a:endCxn id="110" idx="2"/>
+          </p:cNvCxnSpPr>
           <p:nvPr/>
         </p:nvCxnSpPr>
         <p:spPr>
-          <a:xfrm>
-            <a:off x="6464647" y="2442609"/>
-            <a:ext cx="575671" cy="692088"/>
+          <a:xfrm rot="16200000" flipH="1">
+            <a:off x="5999818" y="1609043"/>
+            <a:ext cx="945972" cy="1354363"/>
           </a:xfrm>
           <a:prstGeom prst="bentConnector3">
-            <a:avLst/>
+            <a:avLst>
+              <a:gd name="adj1" fmla="val 124166"/>
+            </a:avLst>
           </a:prstGeom>
           <a:ln w="28575">
             <a:solidFill>
@@ -5381,7 +5226,7 @@
         </p:nvSpPr>
         <p:spPr>
           <a:xfrm>
-            <a:off x="8629823" y="3291035"/>
+            <a:off x="8291903" y="2596229"/>
             <a:ext cx="648000" cy="504000"/>
           </a:xfrm>
           <a:prstGeom prst="rect">
@@ -5438,7 +5283,7 @@
         </p:nvSpPr>
         <p:spPr>
           <a:xfrm>
-            <a:off x="9972152" y="3291035"/>
+            <a:off x="9634232" y="2596229"/>
             <a:ext cx="648000" cy="504000"/>
           </a:xfrm>
           <a:prstGeom prst="rect">
@@ -5498,7 +5343,7 @@
         </p:nvCxnSpPr>
         <p:spPr>
           <a:xfrm>
-            <a:off x="7935494" y="3129405"/>
+            <a:off x="7597574" y="2434599"/>
             <a:ext cx="1018329" cy="161630"/>
           </a:xfrm>
           <a:prstGeom prst="bentConnector2">
@@ -5533,7 +5378,7 @@
         </p:nvCxnSpPr>
         <p:spPr>
           <a:xfrm>
-            <a:off x="7935494" y="3134697"/>
+            <a:off x="7597574" y="2439891"/>
             <a:ext cx="2398548" cy="161630"/>
           </a:xfrm>
           <a:prstGeom prst="bentConnector2">
@@ -5568,7 +5413,7 @@
         </p:nvSpPr>
         <p:spPr>
           <a:xfrm>
-            <a:off x="5380559" y="2805392"/>
+            <a:off x="3144686" y="4259404"/>
             <a:ext cx="917568" cy="798049"/>
           </a:xfrm>
           <a:prstGeom prst="rect">
@@ -5674,8 +5519,8 @@
         </p:nvCxnSpPr>
         <p:spPr>
           <a:xfrm flipV="1">
-            <a:off x="4016738" y="3204417"/>
-            <a:ext cx="1363821" cy="221679"/>
+            <a:off x="2735119" y="4658429"/>
+            <a:ext cx="409567" cy="422680"/>
           </a:xfrm>
           <a:prstGeom prst="bentConnector3">
             <a:avLst>
@@ -5711,7 +5556,7 @@
         </p:nvSpPr>
         <p:spPr>
           <a:xfrm>
-            <a:off x="5376242" y="4030890"/>
+            <a:off x="3140369" y="5484902"/>
             <a:ext cx="971543" cy="787994"/>
           </a:xfrm>
           <a:prstGeom prst="rect">
@@ -5809,8 +5654,8 @@
         </p:nvCxnSpPr>
         <p:spPr>
           <a:xfrm>
-            <a:off x="4016738" y="3426096"/>
-            <a:ext cx="1359504" cy="998791"/>
+            <a:off x="2735119" y="5081109"/>
+            <a:ext cx="405250" cy="797790"/>
           </a:xfrm>
           <a:prstGeom prst="bentConnector3">
             <a:avLst>
@@ -5846,7 +5691,7 @@
         </p:nvSpPr>
         <p:spPr>
           <a:xfrm>
-            <a:off x="6711266" y="4140957"/>
+            <a:off x="4419202" y="4384108"/>
             <a:ext cx="1335024" cy="548640"/>
           </a:xfrm>
           <a:prstGeom prst="ellipse">
@@ -5928,55 +5773,14 @@
         </p:nvCxnSpPr>
         <p:spPr>
           <a:xfrm rot="5400000" flipH="1" flipV="1">
-            <a:off x="6085604" y="3997713"/>
-            <a:ext cx="597581" cy="1044762"/>
+            <a:off x="3216205" y="4874389"/>
+            <a:ext cx="1808442" cy="988571"/>
           </a:xfrm>
           <a:prstGeom prst="bentConnector5">
             <a:avLst>
-              <a:gd name="adj1" fmla="val -38254"/>
-              <a:gd name="adj2" fmla="val 63891"/>
-              <a:gd name="adj3" fmla="val 138254"/>
-            </a:avLst>
-          </a:prstGeom>
-          <a:ln w="28575">
-            <a:solidFill>
-              <a:schemeClr val="tx1"/>
-            </a:solidFill>
-          </a:ln>
-        </p:spPr>
-        <p:style>
-          <a:lnRef idx="1">
-            <a:schemeClr val="accent1"/>
-          </a:lnRef>
-          <a:fillRef idx="0">
-            <a:schemeClr val="accent1"/>
-          </a:fillRef>
-          <a:effectRef idx="0">
-            <a:schemeClr val="accent1"/>
-          </a:effectRef>
-          <a:fontRef idx="minor">
-            <a:schemeClr val="tx1"/>
-          </a:fontRef>
-        </p:style>
-      </p:cxnSp>
-      <p:cxnSp>
-        <p:nvCxnSpPr>
-          <p:cNvPr id="138" name="Conexão em ângulos retos 137"/>
-          <p:cNvCxnSpPr>
-            <a:stCxn id="136" idx="5"/>
-            <a:endCxn id="132" idx="5"/>
-          </p:cNvCxnSpPr>
-          <p:nvPr/>
-        </p:nvCxnSpPr>
-        <p:spPr>
-          <a:xfrm flipH="1" flipV="1">
-            <a:off x="7850780" y="4609251"/>
-            <a:ext cx="749496" cy="1225896"/>
-          </a:xfrm>
-          <a:prstGeom prst="bentConnector4">
-            <a:avLst>
-              <a:gd name="adj1" fmla="val -30500"/>
-              <a:gd name="adj2" fmla="val 68634"/>
+              <a:gd name="adj1" fmla="val -12641"/>
+              <a:gd name="adj2" fmla="val 64681"/>
+              <a:gd name="adj3" fmla="val 112641"/>
             </a:avLst>
           </a:prstGeom>
           <a:ln w="28575">
@@ -6116,15 +5920,15 @@
         <p:nvCxnSpPr>
           <p:cNvPr id="155" name="Conexão reta 154"/>
           <p:cNvCxnSpPr>
-            <a:stCxn id="54" idx="2"/>
+            <a:stCxn id="54" idx="1"/>
             <a:endCxn id="88" idx="6"/>
           </p:cNvCxnSpPr>
           <p:nvPr/>
         </p:nvCxnSpPr>
         <p:spPr>
           <a:xfrm flipH="1">
-            <a:off x="1050186" y="3984657"/>
-            <a:ext cx="743390" cy="454728"/>
+            <a:off x="1465408" y="3109301"/>
+            <a:ext cx="471024" cy="122724"/>
           </a:xfrm>
           <a:prstGeom prst="line">
             <a:avLst/>
@@ -6161,7 +5965,7 @@
         </p:nvCxnSpPr>
         <p:spPr>
           <a:xfrm flipH="1">
-            <a:off x="2370324" y="4246194"/>
+            <a:off x="1088706" y="5900372"/>
             <a:ext cx="311390" cy="428948"/>
           </a:xfrm>
           <a:prstGeom prst="line">
@@ -6196,7 +6000,7 @@
         </p:nvCxnSpPr>
         <p:spPr>
           <a:xfrm>
-            <a:off x="3349225" y="3750708"/>
+            <a:off x="2067607" y="5404886"/>
             <a:ext cx="0" cy="170874"/>
           </a:xfrm>
           <a:prstGeom prst="line">
@@ -6227,64 +6031,25 @@
         <p:nvCxnSpPr>
           <p:cNvPr id="164" name="Conexão em ângulos retos 163"/>
           <p:cNvCxnSpPr>
-            <a:stCxn id="52" idx="1"/>
+            <a:stCxn id="5" idx="2"/>
             <a:endCxn id="55" idx="0"/>
           </p:cNvCxnSpPr>
           <p:nvPr/>
         </p:nvCxnSpPr>
         <p:spPr>
-          <a:xfrm rot="10800000" flipV="1">
-            <a:off x="3349227" y="2437316"/>
-            <a:ext cx="1780397" cy="664167"/>
-          </a:xfrm>
-          <a:prstGeom prst="bentConnector2">
-            <a:avLst/>
+          <a:xfrm rot="5400000">
+            <a:off x="2459986" y="1420860"/>
+            <a:ext cx="2943258" cy="3728016"/>
+          </a:xfrm>
+          <a:prstGeom prst="bentConnector3">
+            <a:avLst>
+              <a:gd name="adj1" fmla="val 75786"/>
+            </a:avLst>
           </a:prstGeom>
           <a:ln w="28575">
             <a:solidFill>
               <a:schemeClr val="tx1"/>
             </a:solidFill>
-          </a:ln>
-        </p:spPr>
-        <p:style>
-          <a:lnRef idx="1">
-            <a:schemeClr val="accent1"/>
-          </a:lnRef>
-          <a:fillRef idx="0">
-            <a:schemeClr val="accent1"/>
-          </a:fillRef>
-          <a:effectRef idx="0">
-            <a:schemeClr val="accent1"/>
-          </a:effectRef>
-          <a:fontRef idx="minor">
-            <a:schemeClr val="tx1"/>
-          </a:fontRef>
-        </p:style>
-      </p:cxnSp>
-      <p:cxnSp>
-        <p:nvCxnSpPr>
-          <p:cNvPr id="173" name="Conexão em ângulos retos 172"/>
-          <p:cNvCxnSpPr>
-            <a:stCxn id="136" idx="1"/>
-            <a:endCxn id="58" idx="3"/>
-          </p:cNvCxnSpPr>
-          <p:nvPr/>
-        </p:nvCxnSpPr>
-        <p:spPr>
-          <a:xfrm rot="10800000" flipV="1">
-            <a:off x="4437739" y="5835147"/>
-            <a:ext cx="3223895" cy="219844"/>
-          </a:xfrm>
-          <a:prstGeom prst="bentConnector3">
-            <a:avLst>
-              <a:gd name="adj1" fmla="val 50000"/>
-            </a:avLst>
-          </a:prstGeom>
-          <a:ln w="38100">
-            <a:solidFill>
-              <a:srgbClr val="92D050"/>
-            </a:solidFill>
-            <a:tailEnd type="triangle"/>
           </a:ln>
         </p:spPr>
         <p:style>
@@ -7141,7 +6906,7 @@
         </p:nvSpPr>
         <p:spPr>
           <a:xfrm>
-            <a:off x="7192312" y="5297937"/>
+            <a:off x="4518189" y="5495634"/>
             <a:ext cx="1877285" cy="1074419"/>
           </a:xfrm>
           <a:prstGeom prst="triangle">
@@ -7185,6 +6950,11 @@
               </a:rPr>
               <a:t>BED</a:t>
             </a:r>
+            <a:endParaRPr lang="pt-PT" dirty="0" smtClean="0">
+              <a:solidFill>
+                <a:schemeClr val="tx1"/>
+              </a:solidFill>
+            </a:endParaRPr>
           </a:p>
           <a:p>
             <a:pPr algn="ctr"/>
@@ -7212,7 +6982,7 @@
         </p:nvSpPr>
         <p:spPr>
           <a:xfrm>
-            <a:off x="3102714" y="5730379"/>
+            <a:off x="8615879" y="4136713"/>
             <a:ext cx="1335024" cy="649224"/>
           </a:xfrm>
           <a:prstGeom prst="rect">
@@ -7288,6 +7058,222 @@
           </a:p>
         </p:txBody>
       </p:sp>
+      <p:sp>
+        <p:nvSpPr>
+          <p:cNvPr id="65" name="Oval 64"/>
+          <p:cNvSpPr/>
+          <p:nvPr/>
+        </p:nvSpPr>
+        <p:spPr>
+          <a:xfrm>
+            <a:off x="6440437" y="4852402"/>
+            <a:ext cx="5479352" cy="1797427"/>
+          </a:xfrm>
+          <a:prstGeom prst="ellipse">
+            <a:avLst/>
+          </a:prstGeom>
+          <a:solidFill>
+            <a:srgbClr val="BEFBFE"/>
+          </a:solidFill>
+          <a:ln w="28575">
+            <a:solidFill>
+              <a:schemeClr val="tx1"/>
+            </a:solidFill>
+          </a:ln>
+        </p:spPr>
+        <p:style>
+          <a:lnRef idx="2">
+            <a:schemeClr val="accent1">
+              <a:shade val="50000"/>
+            </a:schemeClr>
+          </a:lnRef>
+          <a:fillRef idx="1">
+            <a:schemeClr val="accent1"/>
+          </a:fillRef>
+          <a:effectRef idx="0">
+            <a:schemeClr val="accent1"/>
+          </a:effectRef>
+          <a:fontRef idx="minor">
+            <a:schemeClr val="lt1"/>
+          </a:fontRef>
+        </p:style>
+        <p:txBody>
+          <a:bodyPr numCol="2" rtlCol="0" anchor="ctr"/>
+          <a:lstStyle/>
+          <a:p>
+            <a:pPr algn="ctr"/>
+            <a:r>
+              <a:rPr lang="pt-PT" b="1" dirty="0" smtClean="0">
+                <a:solidFill>
+                  <a:schemeClr val="tx1"/>
+                </a:solidFill>
+              </a:rPr>
+              <a:t>perform_fit1.m</a:t>
+            </a:r>
+            <a:endParaRPr lang="pt-PT" b="1" dirty="0">
+              <a:solidFill>
+                <a:schemeClr val="tx1"/>
+              </a:solidFill>
+            </a:endParaRPr>
+          </a:p>
+          <a:p>
+            <a:pPr algn="ctr"/>
+            <a:r>
+              <a:rPr lang="pt-PT" b="1" dirty="0" smtClean="0">
+                <a:solidFill>
+                  <a:schemeClr val="tx1"/>
+                </a:solidFill>
+              </a:rPr>
+              <a:t>perform_fit2.m</a:t>
+            </a:r>
+          </a:p>
+          <a:p>
+            <a:pPr algn="ctr"/>
+            <a:r>
+              <a:rPr lang="pt-PT" b="1" dirty="0" smtClean="0">
+                <a:solidFill>
+                  <a:schemeClr val="tx1"/>
+                </a:solidFill>
+              </a:rPr>
+              <a:t>chi2_residuals.m</a:t>
+            </a:r>
+          </a:p>
+          <a:p>
+            <a:pPr algn="ctr"/>
+            <a:r>
+              <a:rPr lang="pt-PT" b="1" dirty="0" err="1" smtClean="0">
+                <a:solidFill>
+                  <a:schemeClr val="tx1"/>
+                </a:solidFill>
+              </a:rPr>
+              <a:t>secondfitting.m</a:t>
+            </a:r>
+            <a:endParaRPr lang="pt-PT" b="1" dirty="0" smtClean="0">
+              <a:solidFill>
+                <a:schemeClr val="tx1"/>
+              </a:solidFill>
+            </a:endParaRPr>
+          </a:p>
+          <a:p>
+            <a:pPr algn="ctr"/>
+            <a:endParaRPr lang="pt-PT" b="1" dirty="0" smtClean="0">
+              <a:solidFill>
+                <a:schemeClr val="tx1"/>
+              </a:solidFill>
+            </a:endParaRPr>
+          </a:p>
+          <a:p>
+            <a:pPr algn="ctr"/>
+            <a:r>
+              <a:rPr lang="pt-PT" b="1" dirty="0" err="1" smtClean="0">
+                <a:solidFill>
+                  <a:schemeClr val="tx1"/>
+                </a:solidFill>
+              </a:rPr>
+              <a:t>bedfunction.m</a:t>
+            </a:r>
+            <a:endParaRPr lang="pt-PT" b="1" dirty="0" smtClean="0">
+              <a:solidFill>
+                <a:schemeClr val="tx1"/>
+              </a:solidFill>
+            </a:endParaRPr>
+          </a:p>
+          <a:p>
+            <a:pPr algn="ctr"/>
+            <a:r>
+              <a:rPr lang="pt-PT" b="1" dirty="0" smtClean="0">
+                <a:solidFill>
+                  <a:schemeClr val="tx1"/>
+                </a:solidFill>
+              </a:rPr>
+              <a:t>fit1bed.m</a:t>
+            </a:r>
+          </a:p>
+          <a:p>
+            <a:pPr algn="ctr"/>
+            <a:r>
+              <a:rPr lang="pt-PT" b="1" dirty="0" smtClean="0">
+                <a:solidFill>
+                  <a:schemeClr val="tx1"/>
+                </a:solidFill>
+              </a:rPr>
+              <a:t>fit2bed.m</a:t>
+            </a:r>
+          </a:p>
+          <a:p>
+            <a:pPr algn="ctr"/>
+            <a:r>
+              <a:rPr lang="pt-PT" b="1" dirty="0" err="1" smtClean="0">
+                <a:solidFill>
+                  <a:schemeClr val="tx1"/>
+                </a:solidFill>
+              </a:rPr>
+              <a:t>calculate_n.m</a:t>
+            </a:r>
+            <a:endParaRPr lang="pt-PT" b="1" dirty="0" smtClean="0">
+              <a:solidFill>
+                <a:schemeClr val="tx1"/>
+              </a:solidFill>
+            </a:endParaRPr>
+          </a:p>
+          <a:p>
+            <a:pPr algn="ctr"/>
+            <a:r>
+              <a:rPr lang="pt-PT" b="1" dirty="0" err="1" smtClean="0">
+                <a:solidFill>
+                  <a:schemeClr val="tx1"/>
+                </a:solidFill>
+              </a:rPr>
+              <a:t>sample.m</a:t>
+            </a:r>
+            <a:endParaRPr lang="pt-PT" b="1" dirty="0" smtClean="0">
+              <a:solidFill>
+                <a:schemeClr val="tx1"/>
+              </a:solidFill>
+            </a:endParaRPr>
+          </a:p>
+        </p:txBody>
+      </p:sp>
+      <p:cxnSp>
+        <p:nvCxnSpPr>
+          <p:cNvPr id="90" name="Conexão em ângulos retos 89"/>
+          <p:cNvCxnSpPr>
+            <a:stCxn id="136" idx="3"/>
+            <a:endCxn id="65" idx="3"/>
+          </p:cNvCxnSpPr>
+          <p:nvPr/>
+        </p:nvCxnSpPr>
+        <p:spPr>
+          <a:xfrm rot="5400000" flipH="1" flipV="1">
+            <a:off x="6258125" y="5585309"/>
+            <a:ext cx="183451" cy="1786038"/>
+          </a:xfrm>
+          <a:prstGeom prst="bentConnector3">
+            <a:avLst>
+              <a:gd name="adj1" fmla="val -73393"/>
+            </a:avLst>
+          </a:prstGeom>
+          <a:ln w="28575">
+            <a:solidFill>
+              <a:schemeClr val="tx1"/>
+            </a:solidFill>
+          </a:ln>
+        </p:spPr>
+        <p:style>
+          <a:lnRef idx="1">
+            <a:schemeClr val="accent1"/>
+          </a:lnRef>
+          <a:fillRef idx="0">
+            <a:schemeClr val="accent1"/>
+          </a:fillRef>
+          <a:effectRef idx="0">
+            <a:schemeClr val="accent1"/>
+          </a:effectRef>
+          <a:fontRef idx="minor">
+            <a:schemeClr val="tx1"/>
+          </a:fontRef>
+        </p:style>
+      </p:cxnSp>
     </p:spTree>
     <p:extLst>
       <p:ext uri="{BB962C8B-B14F-4D97-AF65-F5344CB8AC3E}">
@@ -7298,6 +7284,13 @@
   <p:clrMapOvr>
     <a:masterClrMapping/>
   </p:clrMapOvr>
+  <p:timing>
+    <p:tnLst>
+      <p:par>
+        <p:cTn id="1" dur="indefinite" restart="never" nodeType="tmRoot"/>
+      </p:par>
+    </p:tnLst>
+  </p:timing>
 </p:sld>
 </file>
 

--- a/RADIANTE_Structure.pptx
+++ b/RADIANTE_Structure.pptx
@@ -3017,8 +3017,8 @@
         </p:nvSpPr>
         <p:spPr>
           <a:xfrm>
-            <a:off x="5129623" y="423351"/>
-            <a:ext cx="1335024" cy="548640"/>
+            <a:off x="4920326" y="393211"/>
+            <a:ext cx="1746857" cy="548640"/>
           </a:xfrm>
           <a:prstGeom prst="ellipse">
             <a:avLst/>
@@ -3062,7 +3062,15 @@
                   <a:schemeClr val="tx1"/>
                 </a:solidFill>
               </a:rPr>
-              <a:t>main.m</a:t>
+              <a:t>radiance</a:t>
+            </a:r>
+            <a:r>
+              <a:rPr lang="pt-PT" dirty="0" err="1" smtClean="0">
+                <a:solidFill>
+                  <a:schemeClr val="tx1"/>
+                </a:solidFill>
+              </a:rPr>
+              <a:t>.m</a:t>
             </a:r>
             <a:endParaRPr lang="pt-PT" dirty="0" smtClean="0">
               <a:solidFill>
@@ -3158,9 +3166,9 @@
           <p:nvPr/>
         </p:nvCxnSpPr>
         <p:spPr>
-          <a:xfrm flipH="1">
-            <a:off x="5795623" y="971991"/>
-            <a:ext cx="1512" cy="192024"/>
+          <a:xfrm>
+            <a:off x="5793755" y="941851"/>
+            <a:ext cx="1868" cy="222164"/>
           </a:xfrm>
           <a:prstGeom prst="line">
             <a:avLst/>
@@ -6950,11 +6958,6 @@
               </a:rPr>
               <a:t>BED</a:t>
             </a:r>
-            <a:endParaRPr lang="pt-PT" dirty="0" smtClean="0">
-              <a:solidFill>
-                <a:schemeClr val="tx1"/>
-              </a:solidFill>
-            </a:endParaRPr>
           </a:p>
           <a:p>
             <a:pPr algn="ctr"/>
